--- a/CCRI Project.pptx
+++ b/CCRI Project.pptx
@@ -5,10 +5,10 @@
     <p:sldMasterId id="2147483648" r:id="rId1"/>
   </p:sldMasterIdLst>
   <p:notesMasterIdLst>
-    <p:notesMasterId r:id="rId12"/>
+    <p:notesMasterId r:id="rId16"/>
   </p:notesMasterIdLst>
   <p:handoutMasterIdLst>
-    <p:handoutMasterId r:id="rId13"/>
+    <p:handoutMasterId r:id="rId17"/>
   </p:handoutMasterIdLst>
   <p:sldIdLst>
     <p:sldId id="256" r:id="rId2"/>
@@ -20,7 +20,11 @@
     <p:sldId id="289" r:id="rId8"/>
     <p:sldId id="286" r:id="rId9"/>
     <p:sldId id="287" r:id="rId10"/>
-    <p:sldId id="258" r:id="rId11"/>
+    <p:sldId id="291" r:id="rId11"/>
+    <p:sldId id="293" r:id="rId12"/>
+    <p:sldId id="294" r:id="rId13"/>
+    <p:sldId id="296" r:id="rId14"/>
+    <p:sldId id="295" r:id="rId15"/>
   </p:sldIdLst>
   <p:sldSz cx="12192000" cy="6858000"/>
   <p:notesSz cx="6858000" cy="9144000"/>
@@ -120,6 +124,36 @@
     </a:lvl9pPr>
   </p:defaultTextStyle>
   <p:extLst>
+    <p:ext uri="{521415D9-36F7-43E2-AB2F-B90AF26B5E84}">
+      <p14:sectionLst xmlns:p14="http://schemas.microsoft.com/office/powerpoint/2010/main">
+        <p14:section name="Default Section" id="{ECB35A8B-20F3-4075-8E23-1A0BE7718CF5}">
+          <p14:sldIdLst>
+            <p14:sldId id="256"/>
+          </p14:sldIdLst>
+        </p14:section>
+        <p14:section name="RFID Dataset" id="{2418799A-FA25-4CCB-BE27-23E0ABB556A1}">
+          <p14:sldIdLst>
+            <p14:sldId id="281"/>
+            <p14:sldId id="282"/>
+            <p14:sldId id="283"/>
+            <p14:sldId id="284"/>
+            <p14:sldId id="285"/>
+            <p14:sldId id="289"/>
+            <p14:sldId id="286"/>
+            <p14:sldId id="287"/>
+          </p14:sldIdLst>
+        </p14:section>
+        <p14:section name="PPG Dataser" id="{62FEED97-D964-4B8C-91E1-28CA4B1921B5}">
+          <p14:sldIdLst>
+            <p14:sldId id="291"/>
+            <p14:sldId id="293"/>
+            <p14:sldId id="294"/>
+            <p14:sldId id="296"/>
+            <p14:sldId id="295"/>
+          </p14:sldIdLst>
+        </p14:section>
+      </p14:sectionLst>
+    </p:ext>
     <p:ext uri="{EFAFB233-063F-42B5-8137-9DF3F51BA10A}">
       <p15:sldGuideLst xmlns:p15="http://schemas.microsoft.com/office/powerpoint/2012/main"/>
     </p:ext>
@@ -221,7 +255,7 @@
           <a:p>
             <a:fld id="{60EE80E9-06C3-4EA1-A884-E15CFEB88223}" type="datetimeFigureOut">
               <a:rPr lang="en-US" smtClean="0"/>
-              <a:t>12/13/2022</a:t>
+              <a:t>12/20/2022</a:t>
             </a:fld>
             <a:endParaRPr lang="en-US"/>
           </a:p>
@@ -398,7 +432,7 @@
           <a:p>
             <a:fld id="{32807A63-9D3F-4F8E-8BBA-7CB75D90C03A}" type="datetimeFigureOut">
               <a:rPr lang="en-US" smtClean="0"/>
-              <a:t>12/13/2022</a:t>
+              <a:t>12/20/2022</a:t>
             </a:fld>
             <a:endParaRPr lang="en-US"/>
           </a:p>
@@ -815,7 +849,7 @@
           <a:p>
             <a:fld id="{1C450DE2-AC95-4B98-AEEA-98E480376C83}" type="datetime1">
               <a:rPr lang="en-US" smtClean="0"/>
-              <a:t>12/13/2022</a:t>
+              <a:t>12/20/2022</a:t>
             </a:fld>
             <a:endParaRPr lang="en-US"/>
           </a:p>
@@ -1592,7 +1626,7 @@
           <a:p>
             <a:fld id="{929A461A-6F41-4198-A2EA-CFE7F56220F9}" type="datetime1">
               <a:rPr lang="en-US" smtClean="0"/>
-              <a:t>12/13/2022</a:t>
+              <a:t>12/20/2022</a:t>
             </a:fld>
             <a:endParaRPr lang="en-US"/>
           </a:p>
@@ -1802,7 +1836,7 @@
           <a:p>
             <a:fld id="{2947AA8A-7445-403D-8E38-733A9BC354F0}" type="datetime1">
               <a:rPr lang="en-US" smtClean="0"/>
-              <a:t>12/13/2022</a:t>
+              <a:t>12/20/2022</a:t>
             </a:fld>
             <a:endParaRPr lang="en-US"/>
           </a:p>
@@ -2084,7 +2118,7 @@
           <a:p>
             <a:fld id="{4658DCAB-2705-4002-AFB3-DF6A60CB2A7A}" type="datetime1">
               <a:rPr lang="en-US" smtClean="0"/>
-              <a:t>12/13/2022</a:t>
+              <a:t>12/20/2022</a:t>
             </a:fld>
             <a:endParaRPr lang="en-US"/>
           </a:p>
@@ -2133,7 +2167,7 @@
         </p:nvSpPr>
         <p:spPr>
           <a:xfrm>
-            <a:off x="3581400" y="6356434"/>
+            <a:off x="3209440" y="6356349"/>
             <a:ext cx="2743200" cy="365125"/>
           </a:xfrm>
         </p:spPr>
@@ -2370,7 +2404,7 @@
           <a:p>
             <a:fld id="{DBFFCFA5-94E0-4396-8B9D-8569F9F27327}" type="datetime1">
               <a:rPr lang="en-US" smtClean="0"/>
-              <a:t>12/13/2022</a:t>
+              <a:t>12/20/2022</a:t>
             </a:fld>
             <a:endParaRPr lang="en-US"/>
           </a:p>
@@ -2638,7 +2672,7 @@
           <a:p>
             <a:fld id="{62283269-F1DE-49DC-ADDA-9703D3700D3C}" type="datetime1">
               <a:rPr lang="en-US" smtClean="0"/>
-              <a:t>12/13/2022</a:t>
+              <a:t>12/20/2022</a:t>
             </a:fld>
             <a:endParaRPr lang="en-US"/>
           </a:p>
@@ -3053,7 +3087,7 @@
           <a:p>
             <a:fld id="{5C89A377-2342-4069-BC9F-01166A23C2F4}" type="datetime1">
               <a:rPr lang="en-US" smtClean="0"/>
-              <a:t>12/13/2022</a:t>
+              <a:t>12/20/2022</a:t>
             </a:fld>
             <a:endParaRPr lang="en-US"/>
           </a:p>
@@ -3195,7 +3229,7 @@
           <a:p>
             <a:fld id="{5D0127A5-050A-43AD-9C45-E10ADB7492E5}" type="datetime1">
               <a:rPr lang="en-US" smtClean="0"/>
-              <a:t>12/13/2022</a:t>
+              <a:t>12/20/2022</a:t>
             </a:fld>
             <a:endParaRPr lang="en-US"/>
           </a:p>
@@ -3308,7 +3342,7 @@
           <a:p>
             <a:fld id="{38268B57-7677-41A4-8C01-EFB01C1728B2}" type="datetime1">
               <a:rPr lang="en-US" smtClean="0"/>
-              <a:t>12/13/2022</a:t>
+              <a:t>12/20/2022</a:t>
             </a:fld>
             <a:endParaRPr lang="en-US"/>
           </a:p>
@@ -3621,7 +3655,7 @@
           <a:p>
             <a:fld id="{51A9CE39-70E4-4E62-8278-D004FDD71D8E}" type="datetime1">
               <a:rPr lang="en-US" smtClean="0"/>
-              <a:t>12/13/2022</a:t>
+              <a:t>12/20/2022</a:t>
             </a:fld>
             <a:endParaRPr lang="en-US"/>
           </a:p>
@@ -3910,7 +3944,7 @@
           <a:p>
             <a:fld id="{4C99B97C-3E70-4B18-AE5C-56993E59126B}" type="datetime1">
               <a:rPr lang="en-US" smtClean="0"/>
-              <a:t>12/13/2022</a:t>
+              <a:t>12/20/2022</a:t>
             </a:fld>
             <a:endParaRPr lang="en-US"/>
           </a:p>
@@ -4610,7 +4644,7 @@
           <a:p>
             <a:fld id="{B37FB34A-F06C-4C03-8C50-0C460255638E}" type="datetime1">
               <a:rPr lang="en-US" smtClean="0"/>
-              <a:t>12/13/2022</a:t>
+              <a:t>12/20/2022</a:t>
             </a:fld>
             <a:endParaRPr lang="en-US"/>
           </a:p>
@@ -5617,565 +5651,1097 @@
       </p:grpSpPr>
       <p:sp>
         <p:nvSpPr>
-          <p:cNvPr id="6" name="矩形 5">
-            <a:extLst>
-              <a:ext uri="{FF2B5EF4-FFF2-40B4-BE49-F238E27FC236}">
-                <a16:creationId xmlns:a16="http://schemas.microsoft.com/office/drawing/2014/main" id="{D9F8BD7A-D5C6-4F0C-BD13-273CB74C7CA6}"/>
-              </a:ext>
-            </a:extLst>
-          </p:cNvPr>
-          <p:cNvSpPr/>
-          <p:nvPr/>
+          <p:cNvPr id="3" name="内容占位符 2">
+            <a:extLst>
+              <a:ext uri="{FF2B5EF4-FFF2-40B4-BE49-F238E27FC236}">
+                <a16:creationId xmlns:a16="http://schemas.microsoft.com/office/drawing/2014/main" id="{9B823991-1723-4CC8-8311-ED8373C373D4}"/>
+              </a:ext>
+            </a:extLst>
+          </p:cNvPr>
+          <p:cNvSpPr>
+            <a:spLocks noGrp="1"/>
+          </p:cNvSpPr>
+          <p:nvPr>
+            <p:ph idx="1"/>
+          </p:nvPr>
         </p:nvSpPr>
         <p:spPr>
           <a:xfrm>
-            <a:off x="0" y="-1"/>
-            <a:ext cx="12192000" cy="6858001"/>
+            <a:off x="259813" y="983280"/>
+            <a:ext cx="11672372" cy="4351338"/>
+          </a:xfrm>
+        </p:spPr>
+        <p:txBody>
+          <a:bodyPr>
+            <a:noAutofit/>
+          </a:bodyPr>
+          <a:lstStyle/>
+          <a:p>
+            <a:pPr marL="0" indent="0" algn="l">
+              <a:lnSpc>
+                <a:spcPts val="2400"/>
+              </a:lnSpc>
+              <a:buNone/>
+            </a:pPr>
+            <a:r>
+              <a:rPr lang="en-US" sz="1800" b="0" i="0" dirty="0">
+                <a:solidFill>
+                  <a:srgbClr val="000000"/>
+                </a:solidFill>
+                <a:effectLst/>
+                <a:latin typeface="Open Sans" panose="020B0606030504020204" pitchFamily="34" charset="0"/>
+              </a:rPr>
+              <a:t>These datasets were used for the paper "PPG-based Finger-level Gesture Recognition Leveraging Wearables" published in INFOCOM 2018.</a:t>
+            </a:r>
+          </a:p>
+          <a:p>
+            <a:pPr marL="0" indent="0" algn="l">
+              <a:lnSpc>
+                <a:spcPts val="2400"/>
+              </a:lnSpc>
+              <a:buNone/>
+            </a:pPr>
+            <a:r>
+              <a:rPr lang="en-US" sz="1800" dirty="0">
+                <a:solidFill>
+                  <a:srgbClr val="000000"/>
+                </a:solidFill>
+                <a:latin typeface="Open Sans" panose="020B0606030504020204" pitchFamily="34" charset="0"/>
+              </a:rPr>
+              <a:t>Conference web: </a:t>
+            </a:r>
+            <a:r>
+              <a:rPr lang="en-US" sz="1800" dirty="0">
+                <a:solidFill>
+                  <a:srgbClr val="000000"/>
+                </a:solidFill>
+                <a:latin typeface="Open Sans" panose="020B0606030504020204" pitchFamily="34" charset="0"/>
+                <a:hlinkClick r:id="rId2"/>
+              </a:rPr>
+              <a:t>https://ieeexplore.ieee.org/abstract/document/8486006</a:t>
+            </a:r>
+            <a:endParaRPr lang="en-US" sz="1800" dirty="0">
+              <a:solidFill>
+                <a:srgbClr val="000000"/>
+              </a:solidFill>
+              <a:latin typeface="Open Sans" panose="020B0606030504020204" pitchFamily="34" charset="0"/>
+            </a:endParaRPr>
+          </a:p>
+          <a:p>
+            <a:pPr marL="0" indent="0" algn="l">
+              <a:lnSpc>
+                <a:spcPts val="2400"/>
+              </a:lnSpc>
+              <a:buNone/>
+            </a:pPr>
+            <a:r>
+              <a:rPr lang="en-US" sz="1800" b="0" i="0" dirty="0">
+                <a:solidFill>
+                  <a:srgbClr val="202124"/>
+                </a:solidFill>
+                <a:effectLst/>
+                <a:latin typeface="Myriad Pro" panose="020B0503030403020204" pitchFamily="34" charset="0"/>
+              </a:rPr>
+              <a:t>Conference Version: T. Zhao, J. Liu, Y. Wang, H. Liu and Y. Chen, "PPG-based Finger-level Gesture Recognition Leveraging Wearables," IEEE INFOCOM 2018 - IEEE Conference on Computer Communications, 2018, pp.</a:t>
+            </a:r>
+          </a:p>
+        </p:txBody>
+      </p:sp>
+      <p:sp>
+        <p:nvSpPr>
+          <p:cNvPr id="4" name="灯片编号占位符 3">
+            <a:extLst>
+              <a:ext uri="{FF2B5EF4-FFF2-40B4-BE49-F238E27FC236}">
+                <a16:creationId xmlns:a16="http://schemas.microsoft.com/office/drawing/2014/main" id="{2D5AAB30-999D-439B-9A2C-250C802BED17}"/>
+              </a:ext>
+            </a:extLst>
+          </p:cNvPr>
+          <p:cNvSpPr>
+            <a:spLocks noGrp="1"/>
+          </p:cNvSpPr>
+          <p:nvPr>
+            <p:ph type="sldNum" sz="quarter" idx="12"/>
+          </p:nvPr>
+        </p:nvSpPr>
+        <p:spPr/>
+        <p:txBody>
+          <a:bodyPr/>
+          <a:lstStyle/>
+          <a:p>
+            <a:fld id="{664DB321-1CDD-4A06-AA42-40E9ECCDDEA8}" type="slidenum">
+              <a:rPr lang="en-US" smtClean="0"/>
+              <a:t>9</a:t>
+            </a:fld>
+            <a:endParaRPr lang="en-US"/>
+          </a:p>
+        </p:txBody>
+      </p:sp>
+      <p:sp>
+        <p:nvSpPr>
+          <p:cNvPr id="7" name="标题 1">
+            <a:extLst>
+              <a:ext uri="{FF2B5EF4-FFF2-40B4-BE49-F238E27FC236}">
+                <a16:creationId xmlns:a16="http://schemas.microsoft.com/office/drawing/2014/main" id="{1505D920-5905-D1F8-A985-6729FB3942D2}"/>
+              </a:ext>
+            </a:extLst>
+          </p:cNvPr>
+          <p:cNvSpPr>
+            <a:spLocks noGrp="1"/>
+          </p:cNvSpPr>
+          <p:nvPr>
+            <p:ph type="title"/>
+          </p:nvPr>
+        </p:nvSpPr>
+        <p:spPr>
+          <a:xfrm>
+            <a:off x="1221521" y="76565"/>
+            <a:ext cx="10515600" cy="777858"/>
+          </a:xfrm>
+        </p:spPr>
+        <p:txBody>
+          <a:bodyPr/>
+          <a:lstStyle/>
+          <a:p>
+            <a:r>
+              <a:rPr lang="en-US" dirty="0"/>
+              <a:t>PPG dataset</a:t>
+            </a:r>
+          </a:p>
+        </p:txBody>
+      </p:sp>
+    </p:spTree>
+    <p:extLst>
+      <p:ext uri="{BB962C8B-B14F-4D97-AF65-F5344CB8AC3E}">
+        <p14:creationId xmlns:p14="http://schemas.microsoft.com/office/powerpoint/2010/main" val="256333275"/>
+      </p:ext>
+    </p:extLst>
+  </p:cSld>
+  <p:clrMapOvr>
+    <a:masterClrMapping/>
+  </p:clrMapOvr>
+</p:sld>
+</file>
+
+<file path=ppt/slides/slide11.xml><?xml version="1.0" encoding="utf-8"?>
+<p:sld xmlns:a="http://schemas.openxmlformats.org/drawingml/2006/main" xmlns:r="http://schemas.openxmlformats.org/officeDocument/2006/relationships" xmlns:p="http://schemas.openxmlformats.org/presentationml/2006/main">
+  <p:cSld>
+    <p:spTree>
+      <p:nvGrpSpPr>
+        <p:cNvPr id="1" name=""/>
+        <p:cNvGrpSpPr/>
+        <p:nvPr/>
+      </p:nvGrpSpPr>
+      <p:grpSpPr>
+        <a:xfrm>
+          <a:off x="0" y="0"/>
+          <a:ext cx="0" cy="0"/>
+          <a:chOff x="0" y="0"/>
+          <a:chExt cx="0" cy="0"/>
+        </a:xfrm>
+      </p:grpSpPr>
+      <p:sp>
+        <p:nvSpPr>
+          <p:cNvPr id="3" name="内容占位符 2">
+            <a:extLst>
+              <a:ext uri="{FF2B5EF4-FFF2-40B4-BE49-F238E27FC236}">
+                <a16:creationId xmlns:a16="http://schemas.microsoft.com/office/drawing/2014/main" id="{9B823991-1723-4CC8-8311-ED8373C373D4}"/>
+              </a:ext>
+            </a:extLst>
+          </p:cNvPr>
+          <p:cNvSpPr>
+            <a:spLocks noGrp="1"/>
+          </p:cNvSpPr>
+          <p:nvPr>
+            <p:ph idx="1"/>
+          </p:nvPr>
+        </p:nvSpPr>
+        <p:spPr>
+          <a:xfrm>
+            <a:off x="259813" y="1027190"/>
+            <a:ext cx="11477307" cy="4351338"/>
+          </a:xfrm>
+        </p:spPr>
+        <p:txBody>
+          <a:bodyPr>
+            <a:noAutofit/>
+          </a:bodyPr>
+          <a:lstStyle/>
+          <a:p>
+            <a:pPr marL="0" indent="0" algn="l">
+              <a:lnSpc>
+                <a:spcPts val="2400"/>
+              </a:lnSpc>
+              <a:buNone/>
+            </a:pPr>
+            <a:r>
+              <a:rPr lang="en-US" sz="1800" b="1" i="0" dirty="0">
+                <a:solidFill>
+                  <a:srgbClr val="000000"/>
+                </a:solidFill>
+                <a:effectLst/>
+                <a:latin typeface="Open Sans" panose="020B0606030504020204" pitchFamily="34" charset="0"/>
+              </a:rPr>
+              <a:t>Wearable Prototype:</a:t>
+            </a:r>
+            <a:r>
+              <a:rPr lang="en-US" sz="1800" dirty="0">
+                <a:solidFill>
+                  <a:srgbClr val="202124"/>
+                </a:solidFill>
+                <a:latin typeface="Myriad Pro" panose="020B0503030403020204" pitchFamily="34" charset="0"/>
+              </a:rPr>
+              <a:t> </a:t>
+            </a:r>
+          </a:p>
+          <a:p>
+            <a:pPr marL="0" indent="0" algn="l">
+              <a:lnSpc>
+                <a:spcPts val="2400"/>
+              </a:lnSpc>
+              <a:buNone/>
+            </a:pPr>
+            <a:r>
+              <a:rPr lang="en-US" sz="1800" dirty="0">
+                <a:solidFill>
+                  <a:srgbClr val="000000"/>
+                </a:solidFill>
+                <a:latin typeface="Open Sans" panose="020B0606030504020204" pitchFamily="34" charset="0"/>
+              </a:rPr>
+              <a:t>we design a wearable prototype that mimics the layout of PPG sensors in commodity wearables to demonstrate that our system can be applied to the existing wearable products without extra efforts. Our prototype consists of two commodity PPG sensors (with single green LED) and an Arduino UNO (REV3). The sensors are closely placed to each other and fixed on the inner side of a wristband, so that it reduces the movements of sensors and ensures our system to take sensor measurements at similar locations in different experiments. In the experiments, we adopt various sampling rates (i.e., 30Hz to 100Hz) to evaluate the system. Unless mentioned otherwise, the default sampling rate is set to 100Hz.</a:t>
+            </a:r>
+            <a:endParaRPr lang="en-US" sz="1800" i="0" dirty="0">
+              <a:solidFill>
+                <a:srgbClr val="000000"/>
+              </a:solidFill>
+              <a:effectLst/>
+              <a:latin typeface="Open Sans" panose="020B0606030504020204" pitchFamily="34" charset="0"/>
+            </a:endParaRPr>
+          </a:p>
+        </p:txBody>
+      </p:sp>
+      <p:sp>
+        <p:nvSpPr>
+          <p:cNvPr id="4" name="灯片编号占位符 3">
+            <a:extLst>
+              <a:ext uri="{FF2B5EF4-FFF2-40B4-BE49-F238E27FC236}">
+                <a16:creationId xmlns:a16="http://schemas.microsoft.com/office/drawing/2014/main" id="{2D5AAB30-999D-439B-9A2C-250C802BED17}"/>
+              </a:ext>
+            </a:extLst>
+          </p:cNvPr>
+          <p:cNvSpPr>
+            <a:spLocks noGrp="1"/>
+          </p:cNvSpPr>
+          <p:nvPr>
+            <p:ph type="sldNum" sz="quarter" idx="12"/>
+          </p:nvPr>
+        </p:nvSpPr>
+        <p:spPr/>
+        <p:txBody>
+          <a:bodyPr/>
+          <a:lstStyle/>
+          <a:p>
+            <a:fld id="{664DB321-1CDD-4A06-AA42-40E9ECCDDEA8}" type="slidenum">
+              <a:rPr lang="en-US" smtClean="0"/>
+              <a:t>10</a:t>
+            </a:fld>
+            <a:endParaRPr lang="en-US"/>
+          </a:p>
+        </p:txBody>
+      </p:sp>
+      <p:sp>
+        <p:nvSpPr>
+          <p:cNvPr id="7" name="标题 1">
+            <a:extLst>
+              <a:ext uri="{FF2B5EF4-FFF2-40B4-BE49-F238E27FC236}">
+                <a16:creationId xmlns:a16="http://schemas.microsoft.com/office/drawing/2014/main" id="{1505D920-5905-D1F8-A985-6729FB3942D2}"/>
+              </a:ext>
+            </a:extLst>
+          </p:cNvPr>
+          <p:cNvSpPr>
+            <a:spLocks noGrp="1"/>
+          </p:cNvSpPr>
+          <p:nvPr>
+            <p:ph type="title"/>
+          </p:nvPr>
+        </p:nvSpPr>
+        <p:spPr>
+          <a:xfrm>
+            <a:off x="1221521" y="76565"/>
+            <a:ext cx="10515600" cy="777858"/>
+          </a:xfrm>
+        </p:spPr>
+        <p:txBody>
+          <a:bodyPr/>
+          <a:lstStyle/>
+          <a:p>
+            <a:r>
+              <a:rPr lang="en-US" altLang="zh-CN" dirty="0"/>
+              <a:t>PPG</a:t>
+            </a:r>
+            <a:r>
+              <a:rPr lang="en-US" dirty="0"/>
+              <a:t> dataset</a:t>
+            </a:r>
+          </a:p>
+        </p:txBody>
+      </p:sp>
+      <p:pic>
+        <p:nvPicPr>
+          <p:cNvPr id="9" name="Picture 8">
+            <a:extLst>
+              <a:ext uri="{FF2B5EF4-FFF2-40B4-BE49-F238E27FC236}">
+                <a16:creationId xmlns:a16="http://schemas.microsoft.com/office/drawing/2014/main" id="{EEFA2196-3C5B-ECB8-E2C1-8E4C4E37BDB3}"/>
+              </a:ext>
+            </a:extLst>
+          </p:cNvPr>
+          <p:cNvPicPr>
+            <a:picLocks noChangeAspect="1"/>
+          </p:cNvPicPr>
+          <p:nvPr/>
+        </p:nvPicPr>
+        <p:blipFill>
+          <a:blip r:embed="rId2"/>
+          <a:stretch>
+            <a:fillRect/>
+          </a:stretch>
+        </p:blipFill>
+        <p:spPr>
+          <a:xfrm>
+            <a:off x="2789670" y="3654364"/>
+            <a:ext cx="5610438" cy="2461655"/>
           </a:xfrm>
           <a:prstGeom prst="rect">
             <a:avLst/>
           </a:prstGeom>
-          <a:solidFill>
-            <a:schemeClr val="bg1">
-              <a:lumMod val="95000"/>
-            </a:schemeClr>
-          </a:solidFill>
-          <a:ln>
-            <a:noFill/>
-          </a:ln>
         </p:spPr>
-        <p:style>
-          <a:lnRef idx="2">
-            <a:schemeClr val="accent1">
-              <a:shade val="50000"/>
-            </a:schemeClr>
-          </a:lnRef>
-          <a:fillRef idx="1">
-            <a:schemeClr val="accent1"/>
-          </a:fillRef>
-          <a:effectRef idx="0">
-            <a:schemeClr val="accent1"/>
-          </a:effectRef>
-          <a:fontRef idx="minor">
-            <a:schemeClr val="lt1"/>
-          </a:fontRef>
-        </p:style>
-        <p:txBody>
-          <a:bodyPr rtlCol="0" anchor="ctr"/>
-          <a:lstStyle/>
-          <a:p>
-            <a:pPr algn="ctr"/>
-            <a:endParaRPr lang="en-US" dirty="0"/>
-          </a:p>
-        </p:txBody>
-      </p:sp>
-      <p:grpSp>
-        <p:nvGrpSpPr>
-          <p:cNvPr id="14" name="组合 13">
-            <a:extLst>
-              <a:ext uri="{FF2B5EF4-FFF2-40B4-BE49-F238E27FC236}">
-                <a16:creationId xmlns:a16="http://schemas.microsoft.com/office/drawing/2014/main" id="{FF4D2EEA-90DA-4879-A808-7A2A9AB73970}"/>
-              </a:ext>
-            </a:extLst>
-          </p:cNvPr>
-          <p:cNvGrpSpPr/>
-          <p:nvPr/>
-        </p:nvGrpSpPr>
-        <p:grpSpPr>
-          <a:xfrm>
-            <a:off x="9847327" y="6005873"/>
-            <a:ext cx="4206270" cy="697818"/>
-            <a:chOff x="5718780" y="-531873"/>
-            <a:chExt cx="4206270" cy="697818"/>
-          </a:xfrm>
-        </p:grpSpPr>
-        <p:grpSp>
-          <p:nvGrpSpPr>
-            <p:cNvPr id="10" name="组合 9">
-              <a:extLst>
-                <a:ext uri="{FF2B5EF4-FFF2-40B4-BE49-F238E27FC236}">
-                  <a16:creationId xmlns:a16="http://schemas.microsoft.com/office/drawing/2014/main" id="{8CE30774-12B3-4BA7-B3AA-6A2AFD6F56BD}"/>
-                </a:ext>
-              </a:extLst>
-            </p:cNvPr>
-            <p:cNvGrpSpPr/>
-            <p:nvPr/>
-          </p:nvGrpSpPr>
-          <p:grpSpPr>
-            <a:xfrm>
-              <a:off x="5718780" y="-531873"/>
-              <a:ext cx="4158645" cy="622360"/>
-              <a:chOff x="737205" y="199782"/>
-              <a:chExt cx="4158645" cy="622360"/>
-            </a:xfrm>
-          </p:grpSpPr>
-          <p:pic>
-            <p:nvPicPr>
-              <p:cNvPr id="11" name="图片 10">
-                <a:extLst>
-                  <a:ext uri="{FF2B5EF4-FFF2-40B4-BE49-F238E27FC236}">
-                    <a16:creationId xmlns:a16="http://schemas.microsoft.com/office/drawing/2014/main" id="{01566DA2-19E5-4476-B56F-C834ECC06902}"/>
-                  </a:ext>
-                </a:extLst>
-              </p:cNvPr>
-              <p:cNvPicPr>
-                <a:picLocks noChangeAspect="1"/>
-              </p:cNvPicPr>
-              <p:nvPr/>
-            </p:nvPicPr>
-            <p:blipFill rotWithShape="1">
-              <a:blip r:embed="rId2">
-                <a:clrChange>
-                  <a:clrFrom>
-                    <a:srgbClr val="222222"/>
-                  </a:clrFrom>
-                  <a:clrTo>
-                    <a:srgbClr val="222222">
-                      <a:alpha val="0"/>
-                    </a:srgbClr>
-                  </a:clrTo>
-                </a:clrChange>
-              </a:blip>
-              <a:srcRect l="972" r="75549"/>
-              <a:stretch/>
-            </p:blipFill>
-            <p:spPr>
-              <a:xfrm>
-                <a:off x="737205" y="351660"/>
-                <a:ext cx="459063" cy="470482"/>
-              </a:xfrm>
-              <a:prstGeom prst="rect">
-                <a:avLst/>
-              </a:prstGeom>
-            </p:spPr>
-          </p:pic>
-          <p:sp>
-            <p:nvSpPr>
-              <p:cNvPr id="12" name="文本框 11">
-                <a:extLst>
-                  <a:ext uri="{FF2B5EF4-FFF2-40B4-BE49-F238E27FC236}">
-                    <a16:creationId xmlns:a16="http://schemas.microsoft.com/office/drawing/2014/main" id="{23487CCC-2D04-4EC7-958D-FD4838B5135C}"/>
-                  </a:ext>
-                </a:extLst>
-              </p:cNvPr>
-              <p:cNvSpPr txBox="1"/>
-              <p:nvPr/>
-            </p:nvSpPr>
-            <p:spPr>
-              <a:xfrm>
-                <a:off x="1139825" y="199782"/>
-                <a:ext cx="3756025" cy="523220"/>
-              </a:xfrm>
-              <a:prstGeom prst="rect">
-                <a:avLst/>
-              </a:prstGeom>
-              <a:noFill/>
-            </p:spPr>
-            <p:txBody>
-              <a:bodyPr wrap="square" rtlCol="0">
-                <a:spAutoFit/>
-              </a:bodyPr>
-              <a:lstStyle/>
-              <a:p>
-                <a:r>
-                  <a:rPr lang="en-US" altLang="zh-CN" sz="2800" b="1" dirty="0">
-                    <a:latin typeface="Times New Roman" panose="02020603050405020304" pitchFamily="18" charset="0"/>
-                    <a:cs typeface="Times New Roman" panose="02020603050405020304" pitchFamily="18" charset="0"/>
-                  </a:rPr>
-                  <a:t>TEMPLE</a:t>
-                </a:r>
-                <a:endParaRPr lang="en-US" sz="2800" b="1" dirty="0">
-                  <a:latin typeface="Times New Roman" panose="02020603050405020304" pitchFamily="18" charset="0"/>
-                  <a:cs typeface="Times New Roman" panose="02020603050405020304" pitchFamily="18" charset="0"/>
-                </a:endParaRPr>
-              </a:p>
-            </p:txBody>
-          </p:sp>
-        </p:grpSp>
-        <p:sp>
-          <p:nvSpPr>
-            <p:cNvPr id="13" name="文本框 12">
-              <a:extLst>
-                <a:ext uri="{FF2B5EF4-FFF2-40B4-BE49-F238E27FC236}">
-                  <a16:creationId xmlns:a16="http://schemas.microsoft.com/office/drawing/2014/main" id="{43528200-D01B-4550-81C3-FA663A4D29D0}"/>
-                </a:ext>
-              </a:extLst>
-            </p:cNvPr>
-            <p:cNvSpPr txBox="1"/>
-            <p:nvPr/>
-          </p:nvSpPr>
-          <p:spPr>
-            <a:xfrm>
-              <a:off x="6169025" y="-141832"/>
-              <a:ext cx="3756025" cy="307777"/>
-            </a:xfrm>
-            <a:prstGeom prst="rect">
-              <a:avLst/>
-            </a:prstGeom>
-            <a:noFill/>
-          </p:spPr>
-          <p:txBody>
-            <a:bodyPr wrap="square" rtlCol="0">
-              <a:spAutoFit/>
-            </a:bodyPr>
-            <a:lstStyle/>
-            <a:p>
-              <a:r>
-                <a:rPr lang="en-US" altLang="zh-CN" sz="1400" dirty="0">
-                  <a:latin typeface="Times New Roman" panose="02020603050405020304" pitchFamily="18" charset="0"/>
-                  <a:cs typeface="Times New Roman" panose="02020603050405020304" pitchFamily="18" charset="0"/>
-                </a:rPr>
-                <a:t>U N I V E R S I T Y</a:t>
-              </a:r>
-              <a:endParaRPr lang="en-US" sz="1400" dirty="0">
-                <a:latin typeface="Times New Roman" panose="02020603050405020304" pitchFamily="18" charset="0"/>
-                <a:cs typeface="Times New Roman" panose="02020603050405020304" pitchFamily="18" charset="0"/>
-              </a:endParaRPr>
-            </a:p>
-          </p:txBody>
-        </p:sp>
-      </p:grpSp>
-      <p:sp>
-        <p:nvSpPr>
-          <p:cNvPr id="20" name="矩形 19">
-            <a:extLst>
-              <a:ext uri="{FF2B5EF4-FFF2-40B4-BE49-F238E27FC236}">
-                <a16:creationId xmlns:a16="http://schemas.microsoft.com/office/drawing/2014/main" id="{C5094E9A-4D68-4438-89EC-8E4B1B8287A9}"/>
-              </a:ext>
-            </a:extLst>
-          </p:cNvPr>
-          <p:cNvSpPr/>
-          <p:nvPr/>
+      </p:pic>
+    </p:spTree>
+    <p:extLst>
+      <p:ext uri="{BB962C8B-B14F-4D97-AF65-F5344CB8AC3E}">
+        <p14:creationId xmlns:p14="http://schemas.microsoft.com/office/powerpoint/2010/main" val="1202157985"/>
+      </p:ext>
+    </p:extLst>
+  </p:cSld>
+  <p:clrMapOvr>
+    <a:masterClrMapping/>
+  </p:clrMapOvr>
+</p:sld>
+</file>
+
+<file path=ppt/slides/slide12.xml><?xml version="1.0" encoding="utf-8"?>
+<p:sld xmlns:a="http://schemas.openxmlformats.org/drawingml/2006/main" xmlns:r="http://schemas.openxmlformats.org/officeDocument/2006/relationships" xmlns:p="http://schemas.openxmlformats.org/presentationml/2006/main">
+  <p:cSld>
+    <p:spTree>
+      <p:nvGrpSpPr>
+        <p:cNvPr id="1" name=""/>
+        <p:cNvGrpSpPr/>
+        <p:nvPr/>
+      </p:nvGrpSpPr>
+      <p:grpSpPr>
+        <a:xfrm>
+          <a:off x="0" y="0"/>
+          <a:ext cx="0" cy="0"/>
+          <a:chOff x="0" y="0"/>
+          <a:chExt cx="0" cy="0"/>
+        </a:xfrm>
+      </p:grpSpPr>
+      <p:sp>
+        <p:nvSpPr>
+          <p:cNvPr id="3" name="内容占位符 2">
+            <a:extLst>
+              <a:ext uri="{FF2B5EF4-FFF2-40B4-BE49-F238E27FC236}">
+                <a16:creationId xmlns:a16="http://schemas.microsoft.com/office/drawing/2014/main" id="{9B823991-1723-4CC8-8311-ED8373C373D4}"/>
+              </a:ext>
+            </a:extLst>
+          </p:cNvPr>
+          <p:cNvSpPr>
+            <a:spLocks noGrp="1"/>
+          </p:cNvSpPr>
+          <p:nvPr>
+            <p:ph idx="1"/>
+          </p:nvPr>
         </p:nvSpPr>
         <p:spPr>
           <a:xfrm>
-            <a:off x="0" y="1995938"/>
-            <a:ext cx="12192000" cy="3163583"/>
+            <a:off x="259813" y="1027190"/>
+            <a:ext cx="11588641" cy="4351338"/>
+          </a:xfrm>
+        </p:spPr>
+        <p:txBody>
+          <a:bodyPr>
+            <a:noAutofit/>
+          </a:bodyPr>
+          <a:lstStyle/>
+          <a:p>
+            <a:pPr marL="0" indent="0" algn="l">
+              <a:lnSpc>
+                <a:spcPts val="2400"/>
+              </a:lnSpc>
+              <a:buNone/>
+            </a:pPr>
+            <a:r>
+              <a:rPr lang="en-US" sz="1800" b="1" i="0" dirty="0">
+                <a:solidFill>
+                  <a:srgbClr val="000000"/>
+                </a:solidFill>
+                <a:effectLst/>
+                <a:latin typeface="Open Sans" panose="020B0606030504020204" pitchFamily="34" charset="0"/>
+              </a:rPr>
+              <a:t>Data Collection:</a:t>
+            </a:r>
+            <a:r>
+              <a:rPr lang="en-US" sz="1800" dirty="0">
+                <a:solidFill>
+                  <a:srgbClr val="202124"/>
+                </a:solidFill>
+                <a:latin typeface="Myriad Pro" panose="020B0503030403020204" pitchFamily="34" charset="0"/>
+              </a:rPr>
+              <a:t> </a:t>
+            </a:r>
+          </a:p>
+          <a:p>
+            <a:pPr marL="0" indent="0" algn="l">
+              <a:lnSpc>
+                <a:spcPts val="2400"/>
+              </a:lnSpc>
+              <a:buNone/>
+            </a:pPr>
+            <a:r>
+              <a:rPr lang="en-US" sz="1800" i="0" dirty="0">
+                <a:solidFill>
+                  <a:srgbClr val="000000"/>
+                </a:solidFill>
+                <a:effectLst/>
+                <a:latin typeface="Open Sans" panose="020B0606030504020204" pitchFamily="34" charset="0"/>
+              </a:rPr>
+              <a:t>We recruit 10 participants including 9 males and 1 female whose ages are between 20 to 30 to perform finger-level gestures for evaluation. We focus on the elementary gestures from American Sign Language involving movements of fingers from a single. The participants are asked to respectively perform the nine finger-level gestures for 40 times while wearing our wearable prototype on the right wrist. Note that our system can be applied to other more complicated finger-level gestures on whichever wrist regardless of the posture of the hand since different gestures involve different combinations of muscle movements that can be captured by our system. In total, we collect 3600 PPG segments for the experimental evaluation.</a:t>
+            </a:r>
+          </a:p>
+        </p:txBody>
+      </p:sp>
+      <p:sp>
+        <p:nvSpPr>
+          <p:cNvPr id="4" name="灯片编号占位符 3">
+            <a:extLst>
+              <a:ext uri="{FF2B5EF4-FFF2-40B4-BE49-F238E27FC236}">
+                <a16:creationId xmlns:a16="http://schemas.microsoft.com/office/drawing/2014/main" id="{2D5AAB30-999D-439B-9A2C-250C802BED17}"/>
+              </a:ext>
+            </a:extLst>
+          </p:cNvPr>
+          <p:cNvSpPr>
+            <a:spLocks noGrp="1"/>
+          </p:cNvSpPr>
+          <p:nvPr>
+            <p:ph type="sldNum" sz="quarter" idx="12"/>
+          </p:nvPr>
+        </p:nvSpPr>
+        <p:spPr/>
+        <p:txBody>
+          <a:bodyPr/>
+          <a:lstStyle/>
+          <a:p>
+            <a:fld id="{664DB321-1CDD-4A06-AA42-40E9ECCDDEA8}" type="slidenum">
+              <a:rPr lang="en-US" smtClean="0"/>
+              <a:t>11</a:t>
+            </a:fld>
+            <a:endParaRPr lang="en-US"/>
+          </a:p>
+        </p:txBody>
+      </p:sp>
+      <p:sp>
+        <p:nvSpPr>
+          <p:cNvPr id="7" name="标题 1">
+            <a:extLst>
+              <a:ext uri="{FF2B5EF4-FFF2-40B4-BE49-F238E27FC236}">
+                <a16:creationId xmlns:a16="http://schemas.microsoft.com/office/drawing/2014/main" id="{1505D920-5905-D1F8-A985-6729FB3942D2}"/>
+              </a:ext>
+            </a:extLst>
+          </p:cNvPr>
+          <p:cNvSpPr>
+            <a:spLocks noGrp="1"/>
+          </p:cNvSpPr>
+          <p:nvPr>
+            <p:ph type="title"/>
+          </p:nvPr>
+        </p:nvSpPr>
+        <p:spPr>
+          <a:xfrm>
+            <a:off x="1221521" y="76565"/>
+            <a:ext cx="10515600" cy="777858"/>
+          </a:xfrm>
+        </p:spPr>
+        <p:txBody>
+          <a:bodyPr/>
+          <a:lstStyle/>
+          <a:p>
+            <a:r>
+              <a:rPr lang="en-US" dirty="0"/>
+              <a:t>RFID dataset</a:t>
+            </a:r>
+          </a:p>
+        </p:txBody>
+      </p:sp>
+      <p:pic>
+        <p:nvPicPr>
+          <p:cNvPr id="5" name="Picture 4" descr="A picture containing text, person, indoor, computer&#10;&#10;Description automatically generated">
+            <a:extLst>
+              <a:ext uri="{FF2B5EF4-FFF2-40B4-BE49-F238E27FC236}">
+                <a16:creationId xmlns:a16="http://schemas.microsoft.com/office/drawing/2014/main" id="{E47E16A4-5AFC-35FE-47C0-2D2C4DC8AB3D}"/>
+              </a:ext>
+            </a:extLst>
+          </p:cNvPr>
+          <p:cNvPicPr>
+            <a:picLocks noChangeAspect="1"/>
+          </p:cNvPicPr>
+          <p:nvPr/>
+        </p:nvPicPr>
+        <p:blipFill>
+          <a:blip r:embed="rId2">
+            <a:extLst>
+              <a:ext uri="{28A0092B-C50C-407E-A947-70E740481C1C}">
+                <a14:useLocalDpi xmlns:a14="http://schemas.microsoft.com/office/drawing/2010/main" val="0"/>
+              </a:ext>
+            </a:extLst>
+          </a:blip>
+          <a:stretch>
+            <a:fillRect/>
+          </a:stretch>
+        </p:blipFill>
+        <p:spPr>
+          <a:xfrm>
+            <a:off x="4030851" y="3607846"/>
+            <a:ext cx="3431584" cy="2573688"/>
           </a:xfrm>
           <a:prstGeom prst="rect">
             <a:avLst/>
           </a:prstGeom>
-          <a:solidFill>
-            <a:srgbClr val="881C2B"/>
-          </a:solidFill>
-          <a:ln>
-            <a:noFill/>
-          </a:ln>
         </p:spPr>
-        <p:style>
-          <a:lnRef idx="2">
-            <a:schemeClr val="accent1">
-              <a:shade val="50000"/>
-            </a:schemeClr>
-          </a:lnRef>
-          <a:fillRef idx="1">
-            <a:schemeClr val="accent1"/>
-          </a:fillRef>
-          <a:effectRef idx="0">
-            <a:schemeClr val="accent1"/>
-          </a:effectRef>
-          <a:fontRef idx="minor">
-            <a:schemeClr val="lt1"/>
-          </a:fontRef>
-        </p:style>
-        <p:txBody>
-          <a:bodyPr rtlCol="0" anchor="ctr"/>
-          <a:lstStyle/>
-          <a:p>
-            <a:pPr algn="ctr"/>
-            <a:r>
-              <a:rPr lang="en-US" sz="4400" dirty="0">
-                <a:latin typeface="Times New Roman" panose="02020603050405020304" pitchFamily="18" charset="0"/>
-                <a:cs typeface="Times New Roman" panose="02020603050405020304" pitchFamily="18" charset="0"/>
-              </a:rPr>
-              <a:t>T h a n k s !</a:t>
-            </a:r>
-          </a:p>
-          <a:p>
-            <a:pPr algn="ctr"/>
-            <a:endParaRPr lang="en-US" sz="3200" dirty="0">
-              <a:latin typeface="Times New Roman" panose="02020603050405020304" pitchFamily="18" charset="0"/>
-              <a:cs typeface="Times New Roman" panose="02020603050405020304" pitchFamily="18" charset="0"/>
-            </a:endParaRPr>
-          </a:p>
-          <a:p>
-            <a:pPr algn="r"/>
-            <a:endParaRPr lang="en-US" sz="3200" dirty="0">
-              <a:latin typeface="Times New Roman" panose="02020603050405020304" pitchFamily="18" charset="0"/>
-              <a:cs typeface="Times New Roman" panose="02020603050405020304" pitchFamily="18" charset="0"/>
-            </a:endParaRPr>
-          </a:p>
-        </p:txBody>
-      </p:sp>
-      <p:grpSp>
-        <p:nvGrpSpPr>
-          <p:cNvPr id="2" name="组合 1">
-            <a:extLst>
-              <a:ext uri="{FF2B5EF4-FFF2-40B4-BE49-F238E27FC236}">
-                <a16:creationId xmlns:a16="http://schemas.microsoft.com/office/drawing/2014/main" id="{1E86AA23-EFA2-4B24-ADF2-E2B0DC18E5C6}"/>
-              </a:ext>
-            </a:extLst>
-          </p:cNvPr>
-          <p:cNvGrpSpPr/>
-          <p:nvPr/>
-        </p:nvGrpSpPr>
-        <p:grpSpPr>
-          <a:xfrm>
-            <a:off x="326231" y="187098"/>
-            <a:ext cx="7148512" cy="1348927"/>
-            <a:chOff x="326231" y="109463"/>
-            <a:chExt cx="7148512" cy="1348927"/>
-          </a:xfrm>
-        </p:grpSpPr>
-        <p:grpSp>
-          <p:nvGrpSpPr>
-            <p:cNvPr id="15" name="组合 14">
-              <a:extLst>
-                <a:ext uri="{FF2B5EF4-FFF2-40B4-BE49-F238E27FC236}">
-                  <a16:creationId xmlns:a16="http://schemas.microsoft.com/office/drawing/2014/main" id="{7AA0DA08-6E7A-4FC5-AAEB-9F2DCA15EBA4}"/>
-                </a:ext>
-              </a:extLst>
-            </p:cNvPr>
-            <p:cNvGrpSpPr/>
-            <p:nvPr/>
-          </p:nvGrpSpPr>
-          <p:grpSpPr>
-            <a:xfrm>
-              <a:off x="425451" y="109463"/>
-              <a:ext cx="4581524" cy="1068465"/>
-              <a:chOff x="5378450" y="-700162"/>
-              <a:chExt cx="4581524" cy="1068465"/>
-            </a:xfrm>
-          </p:grpSpPr>
-          <p:grpSp>
-            <p:nvGrpSpPr>
-              <p:cNvPr id="16" name="组合 15">
-                <a:extLst>
-                  <a:ext uri="{FF2B5EF4-FFF2-40B4-BE49-F238E27FC236}">
-                    <a16:creationId xmlns:a16="http://schemas.microsoft.com/office/drawing/2014/main" id="{5A2E4276-744F-428A-9EC9-33CC08E704B7}"/>
-                  </a:ext>
-                </a:extLst>
-              </p:cNvPr>
-              <p:cNvGrpSpPr/>
-              <p:nvPr/>
-            </p:nvGrpSpPr>
-            <p:grpSpPr>
-              <a:xfrm>
-                <a:off x="5378450" y="-700162"/>
-                <a:ext cx="4498975" cy="987516"/>
-                <a:chOff x="396875" y="31493"/>
-                <a:chExt cx="4498975" cy="987516"/>
-              </a:xfrm>
-            </p:grpSpPr>
-            <p:pic>
-              <p:nvPicPr>
-                <p:cNvPr id="18" name="图片 17">
-                  <a:extLst>
-                    <a:ext uri="{FF2B5EF4-FFF2-40B4-BE49-F238E27FC236}">
-                      <a16:creationId xmlns:a16="http://schemas.microsoft.com/office/drawing/2014/main" id="{A51F703B-BC5C-4FB9-8EC4-6C56946603AE}"/>
-                    </a:ext>
-                  </a:extLst>
-                </p:cNvPr>
-                <p:cNvPicPr>
-                  <a:picLocks noChangeAspect="1"/>
-                </p:cNvPicPr>
-                <p:nvPr/>
-              </p:nvPicPr>
-              <p:blipFill rotWithShape="1">
-                <a:blip r:embed="rId2">
-                  <a:clrChange>
-                    <a:clrFrom>
-                      <a:srgbClr val="222222"/>
-                    </a:clrFrom>
-                    <a:clrTo>
-                      <a:srgbClr val="222222">
-                        <a:alpha val="0"/>
-                      </a:srgbClr>
-                    </a:clrTo>
-                  </a:clrChange>
-                </a:blip>
-                <a:srcRect l="972" r="75549"/>
-                <a:stretch/>
-              </p:blipFill>
-              <p:spPr>
-                <a:xfrm>
-                  <a:off x="396875" y="257578"/>
-                  <a:ext cx="742950" cy="761431"/>
-                </a:xfrm>
-                <a:prstGeom prst="rect">
-                  <a:avLst/>
-                </a:prstGeom>
-              </p:spPr>
-            </p:pic>
-            <p:sp>
-              <p:nvSpPr>
-                <p:cNvPr id="19" name="文本框 18">
-                  <a:extLst>
-                    <a:ext uri="{FF2B5EF4-FFF2-40B4-BE49-F238E27FC236}">
-                      <a16:creationId xmlns:a16="http://schemas.microsoft.com/office/drawing/2014/main" id="{015E8A0F-1847-46D6-8F98-6B08BF57DD01}"/>
-                    </a:ext>
-                  </a:extLst>
-                </p:cNvPr>
-                <p:cNvSpPr txBox="1"/>
-                <p:nvPr/>
-              </p:nvSpPr>
-              <p:spPr>
-                <a:xfrm>
-                  <a:off x="1139825" y="31493"/>
-                  <a:ext cx="3756025" cy="830997"/>
-                </a:xfrm>
-                <a:prstGeom prst="rect">
-                  <a:avLst/>
-                </a:prstGeom>
-                <a:noFill/>
-              </p:spPr>
-              <p:txBody>
-                <a:bodyPr wrap="square" rtlCol="0">
-                  <a:spAutoFit/>
-                </a:bodyPr>
-                <a:lstStyle/>
-                <a:p>
-                  <a:r>
-                    <a:rPr lang="en-US" altLang="zh-CN" sz="4800" b="1" dirty="0">
-                      <a:latin typeface="Times New Roman" panose="02020603050405020304" pitchFamily="18" charset="0"/>
-                      <a:cs typeface="Times New Roman" panose="02020603050405020304" pitchFamily="18" charset="0"/>
-                    </a:rPr>
-                    <a:t>TEMPLE</a:t>
-                  </a:r>
-                  <a:endParaRPr lang="en-US" sz="4800" b="1" dirty="0">
-                    <a:latin typeface="Times New Roman" panose="02020603050405020304" pitchFamily="18" charset="0"/>
-                    <a:cs typeface="Times New Roman" panose="02020603050405020304" pitchFamily="18" charset="0"/>
-                  </a:endParaRPr>
-                </a:p>
-              </p:txBody>
-            </p:sp>
-          </p:grpSp>
-          <p:sp>
-            <p:nvSpPr>
-              <p:cNvPr id="17" name="文本框 16">
-                <a:extLst>
-                  <a:ext uri="{FF2B5EF4-FFF2-40B4-BE49-F238E27FC236}">
-                    <a16:creationId xmlns:a16="http://schemas.microsoft.com/office/drawing/2014/main" id="{AB6BE0C4-A689-4646-9BD5-A0AEB901F169}"/>
-                  </a:ext>
-                </a:extLst>
-              </p:cNvPr>
-              <p:cNvSpPr txBox="1"/>
-              <p:nvPr/>
-            </p:nvSpPr>
-            <p:spPr>
-              <a:xfrm>
-                <a:off x="6203949" y="-93362"/>
-                <a:ext cx="3756025" cy="461665"/>
-              </a:xfrm>
-              <a:prstGeom prst="rect">
-                <a:avLst/>
-              </a:prstGeom>
-              <a:noFill/>
-            </p:spPr>
-            <p:txBody>
-              <a:bodyPr wrap="square" rtlCol="0">
-                <a:spAutoFit/>
-              </a:bodyPr>
-              <a:lstStyle/>
-              <a:p>
-                <a:r>
-                  <a:rPr lang="en-US" altLang="zh-CN" sz="2400" dirty="0">
-                    <a:latin typeface="Times New Roman" panose="02020603050405020304" pitchFamily="18" charset="0"/>
-                    <a:cs typeface="Times New Roman" panose="02020603050405020304" pitchFamily="18" charset="0"/>
-                  </a:rPr>
-                  <a:t>U N I V E R S I T Y</a:t>
-                </a:r>
-                <a:endParaRPr lang="en-US" sz="2400" dirty="0">
-                  <a:latin typeface="Times New Roman" panose="02020603050405020304" pitchFamily="18" charset="0"/>
-                  <a:cs typeface="Times New Roman" panose="02020603050405020304" pitchFamily="18" charset="0"/>
-                </a:endParaRPr>
-              </a:p>
-            </p:txBody>
-          </p:sp>
-        </p:grpSp>
-        <p:sp>
-          <p:nvSpPr>
-            <p:cNvPr id="22" name="文本框 21">
-              <a:extLst>
-                <a:ext uri="{FF2B5EF4-FFF2-40B4-BE49-F238E27FC236}">
-                  <a16:creationId xmlns:a16="http://schemas.microsoft.com/office/drawing/2014/main" id="{CE327A6D-1D29-4F7F-9694-D80F15ED24EA}"/>
-                </a:ext>
-              </a:extLst>
-            </p:cNvPr>
-            <p:cNvSpPr txBox="1"/>
-            <p:nvPr/>
-          </p:nvSpPr>
-          <p:spPr>
-            <a:xfrm>
-              <a:off x="326231" y="1089058"/>
-              <a:ext cx="7148512" cy="369332"/>
-            </a:xfrm>
-            <a:prstGeom prst="rect">
-              <a:avLst/>
-            </a:prstGeom>
-            <a:noFill/>
-          </p:spPr>
-          <p:txBody>
-            <a:bodyPr wrap="square">
-              <a:spAutoFit/>
-            </a:bodyPr>
-            <a:lstStyle/>
-            <a:p>
-              <a:r>
-                <a:rPr lang="en-US" sz="1800" dirty="0">
-                  <a:latin typeface="Times New Roman" panose="02020603050405020304" pitchFamily="18" charset="0"/>
-                  <a:cs typeface="Times New Roman" panose="02020603050405020304" pitchFamily="18" charset="0"/>
-                </a:rPr>
-                <a:t>Department of Computer &amp; information Sciences</a:t>
-              </a:r>
-              <a:endParaRPr lang="en-US" dirty="0"/>
-            </a:p>
-          </p:txBody>
-        </p:sp>
-      </p:grpSp>
-      <p:sp>
-        <p:nvSpPr>
-          <p:cNvPr id="3" name="TextBox 2">
-            <a:extLst>
-              <a:ext uri="{FF2B5EF4-FFF2-40B4-BE49-F238E27FC236}">
-                <a16:creationId xmlns:a16="http://schemas.microsoft.com/office/drawing/2014/main" id="{9562064B-2B60-A5F6-827C-09B514C3E9C0}"/>
-              </a:ext>
-            </a:extLst>
-          </p:cNvPr>
-          <p:cNvSpPr txBox="1"/>
-          <p:nvPr/>
+      </p:pic>
+    </p:spTree>
+    <p:extLst>
+      <p:ext uri="{BB962C8B-B14F-4D97-AF65-F5344CB8AC3E}">
+        <p14:creationId xmlns:p14="http://schemas.microsoft.com/office/powerpoint/2010/main" val="694138584"/>
+      </p:ext>
+    </p:extLst>
+  </p:cSld>
+  <p:clrMapOvr>
+    <a:masterClrMapping/>
+  </p:clrMapOvr>
+</p:sld>
+</file>
+
+<file path=ppt/slides/slide13.xml><?xml version="1.0" encoding="utf-8"?>
+<p:sld xmlns:a="http://schemas.openxmlformats.org/drawingml/2006/main" xmlns:r="http://schemas.openxmlformats.org/officeDocument/2006/relationships" xmlns:p="http://schemas.openxmlformats.org/presentationml/2006/main">
+  <p:cSld>
+    <p:spTree>
+      <p:nvGrpSpPr>
+        <p:cNvPr id="1" name=""/>
+        <p:cNvGrpSpPr/>
+        <p:nvPr/>
+      </p:nvGrpSpPr>
+      <p:grpSpPr>
+        <a:xfrm>
+          <a:off x="0" y="0"/>
+          <a:ext cx="0" cy="0"/>
+          <a:chOff x="0" y="0"/>
+          <a:chExt cx="0" cy="0"/>
+        </a:xfrm>
+      </p:grpSpPr>
+      <p:sp>
+        <p:nvSpPr>
+          <p:cNvPr id="3" name="内容占位符 2">
+            <a:extLst>
+              <a:ext uri="{FF2B5EF4-FFF2-40B4-BE49-F238E27FC236}">
+                <a16:creationId xmlns:a16="http://schemas.microsoft.com/office/drawing/2014/main" id="{9B823991-1723-4CC8-8311-ED8373C373D4}"/>
+              </a:ext>
+            </a:extLst>
+          </p:cNvPr>
+          <p:cNvSpPr>
+            <a:spLocks noGrp="1"/>
+          </p:cNvSpPr>
+          <p:nvPr>
+            <p:ph idx="1"/>
+          </p:nvPr>
         </p:nvSpPr>
         <p:spPr>
           <a:xfrm>
-            <a:off x="7855934" y="4026309"/>
-            <a:ext cx="3495368" cy="461665"/>
+            <a:off x="259813" y="1027190"/>
+            <a:ext cx="11588641" cy="4351338"/>
+          </a:xfrm>
+        </p:spPr>
+        <p:txBody>
+          <a:bodyPr>
+            <a:noAutofit/>
+          </a:bodyPr>
+          <a:lstStyle/>
+          <a:p>
+            <a:pPr marL="0" indent="0" algn="l">
+              <a:lnSpc>
+                <a:spcPts val="2400"/>
+              </a:lnSpc>
+              <a:buNone/>
+            </a:pPr>
+            <a:r>
+              <a:rPr lang="en-US" sz="1800" b="1" i="0" dirty="0">
+                <a:solidFill>
+                  <a:srgbClr val="000000"/>
+                </a:solidFill>
+                <a:effectLst/>
+                <a:latin typeface="Open Sans" panose="020B0606030504020204" pitchFamily="34" charset="0"/>
+              </a:rPr>
+              <a:t>Data Collection:</a:t>
+            </a:r>
+            <a:r>
+              <a:rPr lang="en-US" sz="1800" dirty="0">
+                <a:solidFill>
+                  <a:srgbClr val="202124"/>
+                </a:solidFill>
+                <a:latin typeface="Myriad Pro" panose="020B0503030403020204" pitchFamily="34" charset="0"/>
+              </a:rPr>
+              <a:t> </a:t>
+            </a:r>
+          </a:p>
+          <a:p>
+            <a:pPr marL="0" indent="0" algn="l">
+              <a:lnSpc>
+                <a:spcPts val="2400"/>
+              </a:lnSpc>
+              <a:buNone/>
+            </a:pPr>
+            <a:r>
+              <a:rPr lang="en-US" sz="1800" i="0" dirty="0">
+                <a:solidFill>
+                  <a:srgbClr val="000000"/>
+                </a:solidFill>
+                <a:effectLst/>
+                <a:latin typeface="Open Sans" panose="020B0606030504020204" pitchFamily="34" charset="0"/>
+              </a:rPr>
+              <a:t>In total, we collect 3600 PPG segments for the experimental evaluation.</a:t>
+            </a:r>
+          </a:p>
+        </p:txBody>
+      </p:sp>
+      <p:sp>
+        <p:nvSpPr>
+          <p:cNvPr id="4" name="灯片编号占位符 3">
+            <a:extLst>
+              <a:ext uri="{FF2B5EF4-FFF2-40B4-BE49-F238E27FC236}">
+                <a16:creationId xmlns:a16="http://schemas.microsoft.com/office/drawing/2014/main" id="{2D5AAB30-999D-439B-9A2C-250C802BED17}"/>
+              </a:ext>
+            </a:extLst>
+          </p:cNvPr>
+          <p:cNvSpPr>
+            <a:spLocks noGrp="1"/>
+          </p:cNvSpPr>
+          <p:nvPr>
+            <p:ph type="sldNum" sz="quarter" idx="12"/>
+          </p:nvPr>
+        </p:nvSpPr>
+        <p:spPr/>
+        <p:txBody>
+          <a:bodyPr/>
+          <a:lstStyle/>
+          <a:p>
+            <a:fld id="{664DB321-1CDD-4A06-AA42-40E9ECCDDEA8}" type="slidenum">
+              <a:rPr lang="en-US" smtClean="0"/>
+              <a:t>12</a:t>
+            </a:fld>
+            <a:endParaRPr lang="en-US"/>
+          </a:p>
+        </p:txBody>
+      </p:sp>
+      <p:sp>
+        <p:nvSpPr>
+          <p:cNvPr id="7" name="标题 1">
+            <a:extLst>
+              <a:ext uri="{FF2B5EF4-FFF2-40B4-BE49-F238E27FC236}">
+                <a16:creationId xmlns:a16="http://schemas.microsoft.com/office/drawing/2014/main" id="{1505D920-5905-D1F8-A985-6729FB3942D2}"/>
+              </a:ext>
+            </a:extLst>
+          </p:cNvPr>
+          <p:cNvSpPr>
+            <a:spLocks noGrp="1"/>
+          </p:cNvSpPr>
+          <p:nvPr>
+            <p:ph type="title"/>
+          </p:nvPr>
+        </p:nvSpPr>
+        <p:spPr>
+          <a:xfrm>
+            <a:off x="1221521" y="76565"/>
+            <a:ext cx="10515600" cy="777858"/>
+          </a:xfrm>
+        </p:spPr>
+        <p:txBody>
+          <a:bodyPr/>
+          <a:lstStyle/>
+          <a:p>
+            <a:r>
+              <a:rPr lang="en-US" dirty="0"/>
+              <a:t>RFID dataset</a:t>
+            </a:r>
+          </a:p>
+        </p:txBody>
+      </p:sp>
+      <p:pic>
+        <p:nvPicPr>
+          <p:cNvPr id="11" name="Picture 10">
+            <a:extLst>
+              <a:ext uri="{FF2B5EF4-FFF2-40B4-BE49-F238E27FC236}">
+                <a16:creationId xmlns:a16="http://schemas.microsoft.com/office/drawing/2014/main" id="{9A029B63-9FC8-543E-2AED-152AC8B6BA86}"/>
+              </a:ext>
+            </a:extLst>
+          </p:cNvPr>
+          <p:cNvPicPr>
+            <a:picLocks noChangeAspect="1"/>
+          </p:cNvPicPr>
+          <p:nvPr/>
+        </p:nvPicPr>
+        <p:blipFill>
+          <a:blip r:embed="rId2"/>
+          <a:stretch>
+            <a:fillRect/>
+          </a:stretch>
+        </p:blipFill>
+        <p:spPr>
+          <a:xfrm>
+            <a:off x="554328" y="2461635"/>
+            <a:ext cx="5086350" cy="2581275"/>
           </a:xfrm>
           <a:prstGeom prst="rect">
             <a:avLst/>
           </a:prstGeom>
-          <a:noFill/>
         </p:spPr>
-        <p:txBody>
-          <a:bodyPr wrap="square" rtlCol="0">
-            <a:spAutoFit/>
-          </a:bodyPr>
-          <a:lstStyle/>
-          <a:p>
-            <a:r>
-              <a:rPr lang="en-US" sz="2400" dirty="0">
-                <a:solidFill>
-                  <a:schemeClr val="bg1"/>
-                </a:solidFill>
-              </a:rPr>
-              <a:t>zijie.tang@temple.edu</a:t>
-            </a:r>
-          </a:p>
-        </p:txBody>
-      </p:sp>
+      </p:pic>
+      <p:pic>
+        <p:nvPicPr>
+          <p:cNvPr id="13" name="Picture 12">
+            <a:extLst>
+              <a:ext uri="{FF2B5EF4-FFF2-40B4-BE49-F238E27FC236}">
+                <a16:creationId xmlns:a16="http://schemas.microsoft.com/office/drawing/2014/main" id="{A8142003-492D-3A73-5AF8-B4A42ACA0B16}"/>
+              </a:ext>
+            </a:extLst>
+          </p:cNvPr>
+          <p:cNvPicPr>
+            <a:picLocks noChangeAspect="1"/>
+          </p:cNvPicPr>
+          <p:nvPr/>
+        </p:nvPicPr>
+        <p:blipFill>
+          <a:blip r:embed="rId3"/>
+          <a:stretch>
+            <a:fillRect/>
+          </a:stretch>
+        </p:blipFill>
+        <p:spPr>
+          <a:xfrm>
+            <a:off x="6394305" y="2480684"/>
+            <a:ext cx="5000625" cy="2543175"/>
+          </a:xfrm>
+          <a:prstGeom prst="rect">
+            <a:avLst/>
+          </a:prstGeom>
+        </p:spPr>
+      </p:pic>
     </p:spTree>
     <p:extLst>
       <p:ext uri="{BB962C8B-B14F-4D97-AF65-F5344CB8AC3E}">
-        <p14:creationId xmlns:p14="http://schemas.microsoft.com/office/powerpoint/2010/main" val="1347440798"/>
+        <p14:creationId xmlns:p14="http://schemas.microsoft.com/office/powerpoint/2010/main" val="3938202773"/>
+      </p:ext>
+    </p:extLst>
+  </p:cSld>
+  <p:clrMapOvr>
+    <a:masterClrMapping/>
+  </p:clrMapOvr>
+</p:sld>
+</file>
+
+<file path=ppt/slides/slide14.xml><?xml version="1.0" encoding="utf-8"?>
+<p:sld xmlns:a="http://schemas.openxmlformats.org/drawingml/2006/main" xmlns:r="http://schemas.openxmlformats.org/officeDocument/2006/relationships" xmlns:p="http://schemas.openxmlformats.org/presentationml/2006/main">
+  <p:cSld>
+    <p:spTree>
+      <p:nvGrpSpPr>
+        <p:cNvPr id="1" name=""/>
+        <p:cNvGrpSpPr/>
+        <p:nvPr/>
+      </p:nvGrpSpPr>
+      <p:grpSpPr>
+        <a:xfrm>
+          <a:off x="0" y="0"/>
+          <a:ext cx="0" cy="0"/>
+          <a:chOff x="0" y="0"/>
+          <a:chExt cx="0" cy="0"/>
+        </a:xfrm>
+      </p:grpSpPr>
+      <p:sp>
+        <p:nvSpPr>
+          <p:cNvPr id="3" name="内容占位符 2">
+            <a:extLst>
+              <a:ext uri="{FF2B5EF4-FFF2-40B4-BE49-F238E27FC236}">
+                <a16:creationId xmlns:a16="http://schemas.microsoft.com/office/drawing/2014/main" id="{9B823991-1723-4CC8-8311-ED8373C373D4}"/>
+              </a:ext>
+            </a:extLst>
+          </p:cNvPr>
+          <p:cNvSpPr>
+            <a:spLocks noGrp="1"/>
+          </p:cNvSpPr>
+          <p:nvPr>
+            <p:ph idx="1"/>
+          </p:nvPr>
+        </p:nvSpPr>
+        <p:spPr>
+          <a:xfrm>
+            <a:off x="259813" y="1027190"/>
+            <a:ext cx="11477307" cy="4351338"/>
+          </a:xfrm>
+        </p:spPr>
+        <p:txBody>
+          <a:bodyPr>
+            <a:noAutofit/>
+          </a:bodyPr>
+          <a:lstStyle/>
+          <a:p>
+            <a:pPr marL="0" indent="0" algn="l">
+              <a:lnSpc>
+                <a:spcPts val="2400"/>
+              </a:lnSpc>
+              <a:buNone/>
+            </a:pPr>
+            <a:r>
+              <a:rPr lang="en-US" sz="1800" b="1" i="0" dirty="0">
+                <a:solidFill>
+                  <a:srgbClr val="000000"/>
+                </a:solidFill>
+                <a:effectLst/>
+                <a:latin typeface="Open Sans" panose="020B0606030504020204" pitchFamily="34" charset="0"/>
+              </a:rPr>
+              <a:t>Dataset Description:</a:t>
+            </a:r>
+            <a:r>
+              <a:rPr lang="en-US" sz="1800" dirty="0">
+                <a:solidFill>
+                  <a:srgbClr val="202124"/>
+                </a:solidFill>
+                <a:latin typeface="Myriad Pro" panose="020B0503030403020204" pitchFamily="34" charset="0"/>
+              </a:rPr>
+              <a:t> </a:t>
+            </a:r>
+          </a:p>
+          <a:p>
+            <a:pPr marL="0" indent="0" algn="l">
+              <a:lnSpc>
+                <a:spcPts val="2400"/>
+              </a:lnSpc>
+              <a:buNone/>
+            </a:pPr>
+            <a:r>
+              <a:rPr lang="en-US" sz="1800" i="0" dirty="0">
+                <a:solidFill>
+                  <a:srgbClr val="000000"/>
+                </a:solidFill>
+                <a:effectLst/>
+                <a:latin typeface="Open Sans" panose="020B0606030504020204" pitchFamily="34" charset="0"/>
+              </a:rPr>
+              <a:t>We transfer it to .h5py format </a:t>
+            </a:r>
+            <a:r>
+              <a:rPr lang="en-US" sz="1800" dirty="0">
+                <a:solidFill>
+                  <a:srgbClr val="000000"/>
+                </a:solidFill>
+                <a:latin typeface="Open Sans" panose="020B0606030504020204" pitchFamily="34" charset="0"/>
+              </a:rPr>
+              <a:t>and</a:t>
+            </a:r>
+            <a:r>
+              <a:rPr lang="zh-CN" altLang="en-US" sz="1800" dirty="0">
+                <a:solidFill>
+                  <a:srgbClr val="000000"/>
+                </a:solidFill>
+                <a:latin typeface="Open Sans" panose="020B0606030504020204" pitchFamily="34" charset="0"/>
+              </a:rPr>
+              <a:t> </a:t>
+            </a:r>
+            <a:r>
+              <a:rPr lang="en-US" altLang="zh-CN" sz="1800" dirty="0">
+                <a:solidFill>
+                  <a:srgbClr val="000000"/>
+                </a:solidFill>
+                <a:latin typeface="Open Sans" panose="020B0606030504020204" pitchFamily="34" charset="0"/>
+              </a:rPr>
+              <a:t>store it as float. </a:t>
+            </a:r>
+            <a:r>
+              <a:rPr lang="en-US" sz="1800" i="0" dirty="0">
+                <a:solidFill>
+                  <a:srgbClr val="000000"/>
+                </a:solidFill>
+                <a:effectLst/>
+                <a:latin typeface="Open Sans" panose="020B0606030504020204" pitchFamily="34" charset="0"/>
+              </a:rPr>
+              <a:t>The dataset has 5 axis:</a:t>
+            </a:r>
+          </a:p>
+          <a:p>
+            <a:pPr>
+              <a:lnSpc>
+                <a:spcPts val="2400"/>
+              </a:lnSpc>
+            </a:pPr>
+            <a:r>
+              <a:rPr lang="en-US" altLang="zh-CN" sz="1800" b="1" i="0" dirty="0">
+                <a:solidFill>
+                  <a:srgbClr val="000000"/>
+                </a:solidFill>
+                <a:effectLst/>
+                <a:latin typeface="Open Sans" panose="020B0606030504020204" pitchFamily="34" charset="0"/>
+              </a:rPr>
+              <a:t>Participate Number</a:t>
+            </a:r>
+          </a:p>
+          <a:p>
+            <a:pPr>
+              <a:lnSpc>
+                <a:spcPts val="2400"/>
+              </a:lnSpc>
+            </a:pPr>
+            <a:r>
+              <a:rPr lang="en-US" altLang="zh-CN" sz="1800" b="1" i="0" dirty="0">
+                <a:solidFill>
+                  <a:srgbClr val="000000"/>
+                </a:solidFill>
+                <a:effectLst/>
+                <a:latin typeface="Open Sans" panose="020B0606030504020204" pitchFamily="34" charset="0"/>
+              </a:rPr>
+              <a:t>Trails</a:t>
+            </a:r>
+          </a:p>
+          <a:p>
+            <a:pPr>
+              <a:lnSpc>
+                <a:spcPts val="2400"/>
+              </a:lnSpc>
+            </a:pPr>
+            <a:r>
+              <a:rPr lang="en-US" altLang="zh-CN" sz="1800" b="1" i="0" dirty="0">
+                <a:solidFill>
+                  <a:srgbClr val="000000"/>
+                </a:solidFill>
+                <a:effectLst/>
+                <a:latin typeface="Open Sans" panose="020B0606030504020204" pitchFamily="34" charset="0"/>
+              </a:rPr>
+              <a:t>Tag</a:t>
+            </a:r>
+          </a:p>
+          <a:p>
+            <a:pPr>
+              <a:lnSpc>
+                <a:spcPts val="2400"/>
+              </a:lnSpc>
+            </a:pPr>
+            <a:r>
+              <a:rPr lang="en-US" altLang="zh-CN" sz="1800" b="1" i="0" dirty="0">
+                <a:solidFill>
+                  <a:srgbClr val="000000"/>
+                </a:solidFill>
+                <a:effectLst/>
+                <a:latin typeface="Open Sans" panose="020B0606030504020204" pitchFamily="34" charset="0"/>
+              </a:rPr>
+              <a:t>Amplitude</a:t>
+            </a:r>
+          </a:p>
+          <a:p>
+            <a:pPr>
+              <a:lnSpc>
+                <a:spcPts val="2400"/>
+              </a:lnSpc>
+            </a:pPr>
+            <a:r>
+              <a:rPr lang="en-US" altLang="zh-CN" sz="1800" b="1" i="0" dirty="0">
+                <a:solidFill>
+                  <a:srgbClr val="000000"/>
+                </a:solidFill>
+                <a:effectLst/>
+                <a:latin typeface="Open Sans" panose="020B0606030504020204" pitchFamily="34" charset="0"/>
+              </a:rPr>
+              <a:t>Time Stamp</a:t>
+            </a:r>
+            <a:endParaRPr lang="en-US" sz="1800" i="0" dirty="0">
+              <a:solidFill>
+                <a:srgbClr val="000000"/>
+              </a:solidFill>
+              <a:effectLst/>
+              <a:latin typeface="Open Sans" panose="020B0606030504020204" pitchFamily="34" charset="0"/>
+            </a:endParaRPr>
+          </a:p>
+        </p:txBody>
+      </p:sp>
+      <p:sp>
+        <p:nvSpPr>
+          <p:cNvPr id="4" name="灯片编号占位符 3">
+            <a:extLst>
+              <a:ext uri="{FF2B5EF4-FFF2-40B4-BE49-F238E27FC236}">
+                <a16:creationId xmlns:a16="http://schemas.microsoft.com/office/drawing/2014/main" id="{2D5AAB30-999D-439B-9A2C-250C802BED17}"/>
+              </a:ext>
+            </a:extLst>
+          </p:cNvPr>
+          <p:cNvSpPr>
+            <a:spLocks noGrp="1"/>
+          </p:cNvSpPr>
+          <p:nvPr>
+            <p:ph type="sldNum" sz="quarter" idx="12"/>
+          </p:nvPr>
+        </p:nvSpPr>
+        <p:spPr/>
+        <p:txBody>
+          <a:bodyPr/>
+          <a:lstStyle/>
+          <a:p>
+            <a:fld id="{664DB321-1CDD-4A06-AA42-40E9ECCDDEA8}" type="slidenum">
+              <a:rPr lang="en-US" smtClean="0"/>
+              <a:t>13</a:t>
+            </a:fld>
+            <a:endParaRPr lang="en-US"/>
+          </a:p>
+        </p:txBody>
+      </p:sp>
+      <p:sp>
+        <p:nvSpPr>
+          <p:cNvPr id="7" name="标题 1">
+            <a:extLst>
+              <a:ext uri="{FF2B5EF4-FFF2-40B4-BE49-F238E27FC236}">
+                <a16:creationId xmlns:a16="http://schemas.microsoft.com/office/drawing/2014/main" id="{1505D920-5905-D1F8-A985-6729FB3942D2}"/>
+              </a:ext>
+            </a:extLst>
+          </p:cNvPr>
+          <p:cNvSpPr>
+            <a:spLocks noGrp="1"/>
+          </p:cNvSpPr>
+          <p:nvPr>
+            <p:ph type="title"/>
+          </p:nvPr>
+        </p:nvSpPr>
+        <p:spPr>
+          <a:xfrm>
+            <a:off x="1221521" y="76565"/>
+            <a:ext cx="10515600" cy="777858"/>
+          </a:xfrm>
+        </p:spPr>
+        <p:txBody>
+          <a:bodyPr/>
+          <a:lstStyle/>
+          <a:p>
+            <a:r>
+              <a:rPr lang="en-US" dirty="0"/>
+              <a:t>RFID dataset</a:t>
+            </a:r>
+          </a:p>
+        </p:txBody>
+      </p:sp>
+    </p:spTree>
+    <p:extLst>
+      <p:ext uri="{BB962C8B-B14F-4D97-AF65-F5344CB8AC3E}">
+        <p14:creationId xmlns:p14="http://schemas.microsoft.com/office/powerpoint/2010/main" val="3780285788"/>
       </p:ext>
     </p:extLst>
   </p:cSld>
@@ -7297,7 +7863,7 @@
           <p:nvPr>
             <p:extLst>
               <p:ext uri="{D42A27DB-BD31-4B8C-83A1-F6EECF244321}">
-                <p14:modId xmlns:p14="http://schemas.microsoft.com/office/powerpoint/2010/main" val="4044467876"/>
+                <p14:modId xmlns:p14="http://schemas.microsoft.com/office/powerpoint/2010/main" val="2547883105"/>
               </p:ext>
             </p:extLst>
           </p:nvPr>
@@ -7390,21 +7956,15 @@
                     <a:p>
                       <a:pPr algn="ctr" fontAlgn="b"/>
                       <a:r>
-                        <a:rPr lang="en-US" sz="1800" b="0" u="none" strike="noStrike" dirty="0">
+                        <a:rPr lang="en-US" sz="1800" b="0" i="0" u="none" strike="noStrike" dirty="0">
                           <a:solidFill>
                             <a:srgbClr val="000000"/>
                           </a:solidFill>
                           <a:effectLst/>
+                          <a:latin typeface="Calibri" panose="020F0502020204030204" pitchFamily="34" charset="0"/>
                         </a:rPr>
-                        <a:t>phase</a:t>
+                        <a:t>RSSI</a:t>
                       </a:r>
-                      <a:endParaRPr lang="en-US" sz="1800" b="0" i="0" u="none" strike="noStrike" dirty="0">
-                        <a:solidFill>
-                          <a:srgbClr val="000000"/>
-                        </a:solidFill>
-                        <a:effectLst/>
-                        <a:latin typeface="Calibri" panose="020F0502020204030204" pitchFamily="34" charset="0"/>
-                      </a:endParaRPr>
                     </a:p>
                   </a:txBody>
                   <a:tcPr marL="9525" marR="9525" marT="9525" marB="0" anchor="b"/>
@@ -7416,13 +7976,14 @@
                     <a:p>
                       <a:pPr algn="ctr" fontAlgn="b"/>
                       <a:r>
-                        <a:rPr lang="en-US" sz="1800" b="0" u="none" strike="noStrike" dirty="0">
+                        <a:rPr lang="en-US" altLang="zh-CN" sz="1800" b="0" i="0" u="none" strike="noStrike" dirty="0">
                           <a:solidFill>
                             <a:srgbClr val="000000"/>
                           </a:solidFill>
                           <a:effectLst/>
+                          <a:latin typeface="Calibri" panose="020F0502020204030204" pitchFamily="34" charset="0"/>
                         </a:rPr>
-                        <a:t>Amplitude</a:t>
+                        <a:t>Phase</a:t>
                       </a:r>
                       <a:endParaRPr lang="en-US" sz="1800" b="0" i="0" u="none" strike="noStrike" dirty="0">
                         <a:solidFill>
@@ -7631,7 +8192,7 @@
                     <a:p>
                       <a:pPr algn="ctr" fontAlgn="b"/>
                       <a:r>
-                        <a:rPr lang="en-US" sz="1800" b="0" u="none" strike="noStrike">
+                        <a:rPr lang="en-US" sz="1800" b="0" u="none" strike="noStrike" dirty="0">
                           <a:solidFill>
                             <a:srgbClr val="000000"/>
                           </a:solidFill>
@@ -7639,7 +8200,7 @@
                         </a:rPr>
                         <a:t>1</a:t>
                       </a:r>
-                      <a:endParaRPr lang="en-US" sz="1800" b="0" i="0" u="none" strike="noStrike">
+                      <a:endParaRPr lang="en-US" sz="1800" b="0" i="0" u="none" strike="noStrike" dirty="0">
                         <a:solidFill>
                           <a:srgbClr val="000000"/>
                         </a:solidFill>
@@ -8800,7 +9361,26 @@
                 <a:effectLst/>
                 <a:latin typeface="Open Sans" panose="020B0606030504020204" pitchFamily="34" charset="0"/>
               </a:rPr>
-              <a:t>The dataset has 8 axis:</a:t>
+              <a:t>The dataset has 8 </a:t>
+            </a:r>
+            <a:r>
+              <a:rPr lang="en-US" sz="1800" dirty="0">
+                <a:solidFill>
+                  <a:srgbClr val="000000"/>
+                </a:solidFill>
+                <a:latin typeface="Open Sans" panose="020B0606030504020204" pitchFamily="34" charset="0"/>
+              </a:rPr>
+              <a:t>columns</a:t>
+            </a:r>
+            <a:r>
+              <a:rPr lang="en-US" sz="1800" i="0" dirty="0">
+                <a:solidFill>
+                  <a:srgbClr val="000000"/>
+                </a:solidFill>
+                <a:effectLst/>
+                <a:latin typeface="Open Sans" panose="020B0606030504020204" pitchFamily="34" charset="0"/>
+              </a:rPr>
+              <a:t>:</a:t>
             </a:r>
           </a:p>
           <a:p>
@@ -8817,7 +9397,7 @@
                 <a:effectLst/>
                 <a:latin typeface="Open Sans" panose="020B0606030504020204" pitchFamily="34" charset="0"/>
               </a:rPr>
-              <a:t>Participate Number</a:t>
+              <a:t>Participant Number</a:t>
             </a:r>
           </a:p>
           <a:p>
